--- a/CasKaggle.pptx
+++ b/CasKaggle.pptx
@@ -5,7 +5,7 @@
     <p:sldMasterId id="2147483717" r:id="rId1"/>
   </p:sldMasterIdLst>
   <p:notesMasterIdLst>
-    <p:notesMasterId r:id="rId10"/>
+    <p:notesMasterId r:id="rId11"/>
   </p:notesMasterIdLst>
   <p:sldIdLst>
     <p:sldId id="256" r:id="rId2"/>
@@ -15,7 +15,8 @@
     <p:sldId id="265" r:id="rId6"/>
     <p:sldId id="268" r:id="rId7"/>
     <p:sldId id="269" r:id="rId8"/>
-    <p:sldId id="270" r:id="rId9"/>
+    <p:sldId id="271" r:id="rId9"/>
+    <p:sldId id="270" r:id="rId10"/>
   </p:sldIdLst>
   <p:sldSz cx="12192000" cy="6858000"/>
   <p:notesSz cx="6858000" cy="9144000"/>
@@ -114,19 +115,150 @@
       </a:defRPr>
     </a:lvl9pPr>
   </p:defaultTextStyle>
+  <p:extLst>
+    <p:ext uri="{EFAFB233-063F-42B5-8137-9DF3F51BA10A}">
+      <p15:sldGuideLst xmlns:p15="http://schemas.microsoft.com/office/powerpoint/2012/main"/>
+    </p:ext>
+  </p:extLst>
 </p:presentation>
 </file>
 
 <file path=ppt/revisionInfo.xml><?xml version="1.0" encoding="utf-8"?>
 <p1510:revInfo xmlns:a="http://schemas.openxmlformats.org/drawingml/2006/main" xmlns:r="http://schemas.openxmlformats.org/officeDocument/2006/relationships" xmlns:p1510="http://schemas.microsoft.com/office/powerpoint/2015/10/main">
   <p1510:revLst>
-    <p1510:client id="{9F1E6CFC-46F5-47F8-B757-0CBA7E7BBB4F}" v="10" dt="2021-12-08T22:35:38.664"/>
+    <p1510:client id="{D0DBB45E-280F-4E3F-83A9-BE3556F6FD91}" v="5" dt="2021-12-12T21:35:56.787"/>
   </p1510:revLst>
 </p1510:revInfo>
 </file>
 
 <file path=ppt/changesInfos/changesInfo1.xml><?xml version="1.0" encoding="utf-8"?>
 <pc:chgInfo xmlns:a="http://schemas.openxmlformats.org/drawingml/2006/main" xmlns:r="http://schemas.openxmlformats.org/officeDocument/2006/relationships" xmlns:ac="http://schemas.microsoft.com/office/drawing/2013/main/command" xmlns:pc="http://schemas.microsoft.com/office/powerpoint/2013/main/command">
+  <pc:docChgLst>
+    <pc:chgData name="Luis Fernando Paz Galeano" userId="933c2c1c-cf02-4621-aff4-cd1a2a895eaa" providerId="ADAL" clId="{D0DBB45E-280F-4E3F-83A9-BE3556F6FD91}"/>
+    <pc:docChg chg="undo custSel addSld modSld">
+      <pc:chgData name="Luis Fernando Paz Galeano" userId="933c2c1c-cf02-4621-aff4-cd1a2a895eaa" providerId="ADAL" clId="{D0DBB45E-280F-4E3F-83A9-BE3556F6FD91}" dt="2021-12-12T21:35:48.167" v="128" actId="20577"/>
+      <pc:docMkLst>
+        <pc:docMk/>
+      </pc:docMkLst>
+      <pc:sldChg chg="modSp mod">
+        <pc:chgData name="Luis Fernando Paz Galeano" userId="933c2c1c-cf02-4621-aff4-cd1a2a895eaa" providerId="ADAL" clId="{D0DBB45E-280F-4E3F-83A9-BE3556F6FD91}" dt="2021-12-12T21:35:48.167" v="128" actId="20577"/>
+        <pc:sldMkLst>
+          <pc:docMk/>
+          <pc:sldMk cId="4205973823" sldId="256"/>
+        </pc:sldMkLst>
+        <pc:spChg chg="mod">
+          <ac:chgData name="Luis Fernando Paz Galeano" userId="933c2c1c-cf02-4621-aff4-cd1a2a895eaa" providerId="ADAL" clId="{D0DBB45E-280F-4E3F-83A9-BE3556F6FD91}" dt="2021-12-12T21:35:48.167" v="128" actId="20577"/>
+          <ac:spMkLst>
+            <pc:docMk/>
+            <pc:sldMk cId="4205973823" sldId="256"/>
+            <ac:spMk id="3" creationId="{F25E3012-0B14-41FE-9988-FC27927BFF02}"/>
+          </ac:spMkLst>
+        </pc:spChg>
+      </pc:sldChg>
+      <pc:sldChg chg="addSp delSp modSp mod">
+        <pc:chgData name="Luis Fernando Paz Galeano" userId="933c2c1c-cf02-4621-aff4-cd1a2a895eaa" providerId="ADAL" clId="{D0DBB45E-280F-4E3F-83A9-BE3556F6FD91}" dt="2021-12-12T21:26:44.562" v="14" actId="14100"/>
+        <pc:sldMkLst>
+          <pc:docMk/>
+          <pc:sldMk cId="161601441" sldId="269"/>
+        </pc:sldMkLst>
+        <pc:spChg chg="mod">
+          <ac:chgData name="Luis Fernando Paz Galeano" userId="933c2c1c-cf02-4621-aff4-cd1a2a895eaa" providerId="ADAL" clId="{D0DBB45E-280F-4E3F-83A9-BE3556F6FD91}" dt="2021-12-12T21:26:40.364" v="12" actId="1076"/>
+          <ac:spMkLst>
+            <pc:docMk/>
+            <pc:sldMk cId="161601441" sldId="269"/>
+            <ac:spMk id="2" creationId="{105F624C-34C8-46FA-808C-77CD4259CD94}"/>
+          </ac:spMkLst>
+        </pc:spChg>
+        <pc:spChg chg="add del mod">
+          <ac:chgData name="Luis Fernando Paz Galeano" userId="933c2c1c-cf02-4621-aff4-cd1a2a895eaa" providerId="ADAL" clId="{D0DBB45E-280F-4E3F-83A9-BE3556F6FD91}" dt="2021-12-12T21:25:58.539" v="1"/>
+          <ac:spMkLst>
+            <pc:docMk/>
+            <pc:sldMk cId="161601441" sldId="269"/>
+            <ac:spMk id="4" creationId="{8B77811B-C9EF-472E-BBF4-A1A4CBD6B39C}"/>
+          </ac:spMkLst>
+        </pc:spChg>
+        <pc:picChg chg="del">
+          <ac:chgData name="Luis Fernando Paz Galeano" userId="933c2c1c-cf02-4621-aff4-cd1a2a895eaa" providerId="ADAL" clId="{D0DBB45E-280F-4E3F-83A9-BE3556F6FD91}" dt="2021-12-12T21:25:37.656" v="0" actId="478"/>
+          <ac:picMkLst>
+            <pc:docMk/>
+            <pc:sldMk cId="161601441" sldId="269"/>
+            <ac:picMk id="5" creationId="{E34B388E-65CB-4A28-AFAE-EF9548D3C794}"/>
+          </ac:picMkLst>
+        </pc:picChg>
+        <pc:picChg chg="add mod">
+          <ac:chgData name="Luis Fernando Paz Galeano" userId="933c2c1c-cf02-4621-aff4-cd1a2a895eaa" providerId="ADAL" clId="{D0DBB45E-280F-4E3F-83A9-BE3556F6FD91}" dt="2021-12-12T21:26:02.610" v="6" actId="1076"/>
+          <ac:picMkLst>
+            <pc:docMk/>
+            <pc:sldMk cId="161601441" sldId="269"/>
+            <ac:picMk id="8" creationId="{66EDC58D-E539-4C55-8DCB-C9EF63B973FA}"/>
+          </ac:picMkLst>
+        </pc:picChg>
+        <pc:picChg chg="add mod">
+          <ac:chgData name="Luis Fernando Paz Galeano" userId="933c2c1c-cf02-4621-aff4-cd1a2a895eaa" providerId="ADAL" clId="{D0DBB45E-280F-4E3F-83A9-BE3556F6FD91}" dt="2021-12-12T21:26:44.562" v="14" actId="14100"/>
+          <ac:picMkLst>
+            <pc:docMk/>
+            <pc:sldMk cId="161601441" sldId="269"/>
+            <ac:picMk id="10" creationId="{3A0BAE91-8A6E-4C14-87A1-6D45908B4EE0}"/>
+          </ac:picMkLst>
+        </pc:picChg>
+      </pc:sldChg>
+      <pc:sldChg chg="addSp delSp modSp new mod setBg">
+        <pc:chgData name="Luis Fernando Paz Galeano" userId="933c2c1c-cf02-4621-aff4-cd1a2a895eaa" providerId="ADAL" clId="{D0DBB45E-280F-4E3F-83A9-BE3556F6FD91}" dt="2021-12-12T21:32:29.481" v="35" actId="1076"/>
+        <pc:sldMkLst>
+          <pc:docMk/>
+          <pc:sldMk cId="870612832" sldId="271"/>
+        </pc:sldMkLst>
+        <pc:spChg chg="mod">
+          <ac:chgData name="Luis Fernando Paz Galeano" userId="933c2c1c-cf02-4621-aff4-cd1a2a895eaa" providerId="ADAL" clId="{D0DBB45E-280F-4E3F-83A9-BE3556F6FD91}" dt="2021-12-12T21:32:17.900" v="28" actId="26606"/>
+          <ac:spMkLst>
+            <pc:docMk/>
+            <pc:sldMk cId="870612832" sldId="271"/>
+            <ac:spMk id="2" creationId="{72BFBBFD-4997-4869-AD1B-D458C5428081}"/>
+          </ac:spMkLst>
+        </pc:spChg>
+        <pc:spChg chg="del">
+          <ac:chgData name="Luis Fernando Paz Galeano" userId="933c2c1c-cf02-4621-aff4-cd1a2a895eaa" providerId="ADAL" clId="{D0DBB45E-280F-4E3F-83A9-BE3556F6FD91}" dt="2021-12-12T21:31:39.973" v="19" actId="22"/>
+          <ac:spMkLst>
+            <pc:docMk/>
+            <pc:sldMk cId="870612832" sldId="271"/>
+            <ac:spMk id="3" creationId="{BFCFDC15-2958-4F90-88F0-2A9842A6CDD8}"/>
+          </ac:spMkLst>
+        </pc:spChg>
+        <pc:spChg chg="add del">
+          <ac:chgData name="Luis Fernando Paz Galeano" userId="933c2c1c-cf02-4621-aff4-cd1a2a895eaa" providerId="ADAL" clId="{D0DBB45E-280F-4E3F-83A9-BE3556F6FD91}" dt="2021-12-12T21:32:17.900" v="28" actId="26606"/>
+          <ac:spMkLst>
+            <pc:docMk/>
+            <pc:sldMk cId="870612832" sldId="271"/>
+            <ac:spMk id="12" creationId="{766CDA4A-6CAA-4FED-A424-FF9D363E93C1}"/>
+          </ac:spMkLst>
+        </pc:spChg>
+        <pc:picChg chg="add mod ord">
+          <ac:chgData name="Luis Fernando Paz Galeano" userId="933c2c1c-cf02-4621-aff4-cd1a2a895eaa" providerId="ADAL" clId="{D0DBB45E-280F-4E3F-83A9-BE3556F6FD91}" dt="2021-12-12T21:32:29.481" v="35" actId="1076"/>
+          <ac:picMkLst>
+            <pc:docMk/>
+            <pc:sldMk cId="870612832" sldId="271"/>
+            <ac:picMk id="5" creationId="{5D68C41C-AF64-43D4-A516-23B6FD3D154E}"/>
+          </ac:picMkLst>
+        </pc:picChg>
+        <pc:picChg chg="add mod">
+          <ac:chgData name="Luis Fernando Paz Galeano" userId="933c2c1c-cf02-4621-aff4-cd1a2a895eaa" providerId="ADAL" clId="{D0DBB45E-280F-4E3F-83A9-BE3556F6FD91}" dt="2021-12-12T21:32:27.696" v="34" actId="1076"/>
+          <ac:picMkLst>
+            <pc:docMk/>
+            <pc:sldMk cId="870612832" sldId="271"/>
+            <ac:picMk id="7" creationId="{9EF6D6C2-500E-49F5-B932-A2C78DFC4032}"/>
+          </ac:picMkLst>
+        </pc:picChg>
+        <pc:picChg chg="add del">
+          <ac:chgData name="Luis Fernando Paz Galeano" userId="933c2c1c-cf02-4621-aff4-cd1a2a895eaa" providerId="ADAL" clId="{D0DBB45E-280F-4E3F-83A9-BE3556F6FD91}" dt="2021-12-12T21:32:17.900" v="28" actId="26606"/>
+          <ac:picMkLst>
+            <pc:docMk/>
+            <pc:sldMk cId="870612832" sldId="271"/>
+            <ac:picMk id="14" creationId="{9B0DB875-49E3-4B9D-8AAE-D81A127B6647}"/>
+          </ac:picMkLst>
+        </pc:picChg>
+      </pc:sldChg>
+    </pc:docChg>
+  </pc:docChgLst>
   <pc:docChgLst>
     <pc:chgData name="Luis Fernando Paz Galeano" userId="933c2c1c-cf02-4621-aff4-cd1a2a895eaa" providerId="ADAL" clId="{9F1E6CFC-46F5-47F8-B757-0CBA7E7BBB4F}"/>
     <pc:docChg chg="undo redo custSel addSld delSld modSld addMainMaster delMainMaster">
@@ -4802,7 +4934,7 @@
           <a:p>
             <a:fld id="{5482F7D2-0AD7-4EFD-8DF8-1608D7FB05F6}" type="datetimeFigureOut">
               <a:rPr lang="es-ES" smtClean="0"/>
-              <a:t>08/12/2021</a:t>
+              <a:t>12/12/2021</a:t>
             </a:fld>
             <a:endParaRPr lang="es-ES"/>
           </a:p>
@@ -5338,7 +5470,7 @@
           <a:p>
             <a:fld id="{88D38747-4367-4BD2-8D51-C97E202738E2}" type="datetime1">
               <a:rPr lang="en-US" smtClean="0"/>
-              <a:t>12/8/2021</a:t>
+              <a:t>12/12/2021</a:t>
             </a:fld>
             <a:endParaRPr lang="en-US" dirty="0"/>
           </a:p>
@@ -5643,7 +5775,7 @@
           <a:p>
             <a:fld id="{11F1B079-7EF0-44EE-B798-BCC497C9F3B2}" type="datetime1">
               <a:rPr lang="en-US" smtClean="0"/>
-              <a:t>12/8/2021</a:t>
+              <a:t>12/12/2021</a:t>
             </a:fld>
             <a:endParaRPr lang="en-US" dirty="0"/>
           </a:p>
@@ -5837,7 +5969,7 @@
           <a:p>
             <a:fld id="{28FF70A8-1D13-4657-95F0-A9EA54967B8D}" type="datetime1">
               <a:rPr lang="en-US" smtClean="0"/>
-              <a:t>12/8/2021</a:t>
+              <a:t>12/12/2021</a:t>
             </a:fld>
             <a:endParaRPr lang="en-US" dirty="0"/>
           </a:p>
@@ -6100,7 +6232,7 @@
           <a:p>
             <a:fld id="{21EB90AC-71BD-4C7F-8ACA-7B3F18292E63}" type="datetime1">
               <a:rPr lang="en-US" smtClean="0"/>
-              <a:t>12/8/2021</a:t>
+              <a:t>12/12/2021</a:t>
             </a:fld>
             <a:endParaRPr lang="en-US" dirty="0"/>
           </a:p>
@@ -6536,7 +6668,7 @@
           <a:p>
             <a:fld id="{4E6EFC2C-8905-46F0-B443-CE905B76BA01}" type="datetime1">
               <a:rPr lang="en-US" smtClean="0"/>
-              <a:t>12/8/2021</a:t>
+              <a:t>12/12/2021</a:t>
             </a:fld>
             <a:endParaRPr lang="en-US" dirty="0"/>
           </a:p>
@@ -7073,7 +7205,7 @@
           <a:p>
             <a:fld id="{D9079DC3-C9B5-499E-9140-0DC28B7074E2}" type="datetime1">
               <a:rPr lang="en-US" smtClean="0"/>
-              <a:t>12/8/2021</a:t>
+              <a:t>12/12/2021</a:t>
             </a:fld>
             <a:endParaRPr lang="en-US" dirty="0"/>
           </a:p>
@@ -7955,7 +8087,7 @@
           <a:p>
             <a:fld id="{30BB33EA-E472-4D22-9C03-A9C14AA21CED}" type="datetime1">
               <a:rPr lang="en-US" smtClean="0"/>
-              <a:t>12/8/2021</a:t>
+              <a:t>12/12/2021</a:t>
             </a:fld>
             <a:endParaRPr lang="en-US" dirty="0"/>
           </a:p>
@@ -8125,7 +8257,7 @@
           <a:p>
             <a:fld id="{217E833E-1B6D-415F-AD29-75AE8C43BD0D}" type="datetime1">
               <a:rPr lang="en-US" smtClean="0"/>
-              <a:t>12/8/2021</a:t>
+              <a:t>12/12/2021</a:t>
             </a:fld>
             <a:endParaRPr lang="en-US" dirty="0"/>
           </a:p>
@@ -8309,7 +8441,7 @@
           <a:p>
             <a:fld id="{8452596F-08A7-4B70-989A-F2B1CF31E66B}" type="datetime1">
               <a:rPr lang="en-US" smtClean="0"/>
-              <a:t>12/8/2021</a:t>
+              <a:t>12/12/2021</a:t>
             </a:fld>
             <a:endParaRPr lang="en-US" dirty="0"/>
           </a:p>
@@ -8479,7 +8611,7 @@
           <a:p>
             <a:fld id="{73C55A3C-5767-4844-A0A3-83778C2E5409}" type="datetime1">
               <a:rPr lang="en-US" smtClean="0"/>
-              <a:t>12/8/2021</a:t>
+              <a:t>12/12/2021</a:t>
             </a:fld>
             <a:endParaRPr lang="en-US" dirty="0"/>
           </a:p>
@@ -8723,7 +8855,7 @@
           <a:p>
             <a:fld id="{CAE507A8-A5CF-4D38-AB86-7EDDA87A85D4}" type="datetime1">
               <a:rPr lang="en-US" smtClean="0"/>
-              <a:t>12/8/2021</a:t>
+              <a:t>12/12/2021</a:t>
             </a:fld>
             <a:endParaRPr lang="en-US" dirty="0"/>
           </a:p>
@@ -8965,7 +9097,7 @@
           <a:p>
             <a:fld id="{BDFCD27C-8599-43EF-BA1D-14DDC1946E06}" type="datetime1">
               <a:rPr lang="en-US" smtClean="0"/>
-              <a:t>12/8/2021</a:t>
+              <a:t>12/12/2021</a:t>
             </a:fld>
             <a:endParaRPr lang="en-US" dirty="0"/>
           </a:p>
@@ -9446,7 +9578,7 @@
           <a:p>
             <a:fld id="{49343D99-809A-49C0-96E5-4250D0B498EE}" type="datetime1">
               <a:rPr lang="en-US" smtClean="0"/>
-              <a:t>12/8/2021</a:t>
+              <a:t>12/12/2021</a:t>
             </a:fld>
             <a:endParaRPr lang="en-US" dirty="0"/>
           </a:p>
@@ -9564,7 +9696,7 @@
           <a:p>
             <a:fld id="{A143DE9B-B678-4EFB-BB7D-A4370204A0B0}" type="datetime1">
               <a:rPr lang="en-US" smtClean="0"/>
-              <a:t>12/8/2021</a:t>
+              <a:t>12/12/2021</a:t>
             </a:fld>
             <a:endParaRPr lang="en-US" dirty="0"/>
           </a:p>
@@ -9659,7 +9791,7 @@
           <a:p>
             <a:fld id="{E68812DA-F765-4142-A6A3-A8ED7235E082}" type="datetime1">
               <a:rPr lang="en-US" smtClean="0"/>
-              <a:t>12/8/2021</a:t>
+              <a:t>12/12/2021</a:t>
             </a:fld>
             <a:endParaRPr lang="en-US" dirty="0"/>
           </a:p>
@@ -9914,7 +10046,7 @@
           <a:p>
             <a:fld id="{3E0277FD-7DE6-41D4-930D-AC99F5AFE54E}" type="datetime1">
               <a:rPr lang="en-US" smtClean="0"/>
-              <a:t>12/8/2021</a:t>
+              <a:t>12/12/2021</a:t>
             </a:fld>
             <a:endParaRPr lang="en-US" dirty="0"/>
           </a:p>
@@ -10221,7 +10353,7 @@
           <a:p>
             <a:fld id="{9EA15526-7079-4B7B-987C-1B5FAE11A0FF}" type="datetime1">
               <a:rPr lang="en-US" smtClean="0"/>
-              <a:t>12/8/2021</a:t>
+              <a:t>12/12/2021</a:t>
             </a:fld>
             <a:endParaRPr lang="en-US" dirty="0"/>
           </a:p>
@@ -10456,7 +10588,7 @@
           <a:p>
             <a:fld id="{073ED0CC-082F-4160-86E5-0D6041F12778}" type="datetime1">
               <a:rPr lang="en-US" smtClean="0"/>
-              <a:t>12/8/2021</a:t>
+              <a:t>12/12/2021</a:t>
             </a:fld>
             <a:endParaRPr lang="en-US" dirty="0"/>
           </a:p>
@@ -11243,7 +11375,7 @@
           </a:effectLst>
           <a:extLst>
             <a:ext uri="{91240B29-F687-4f45-9708-019B960494DF}">
-              <a14:hiddenLine xmlns="" xmlns:a14="http://schemas.microsoft.com/office/drawing/2010/main" xmlns:p14="http://schemas.microsoft.com/office/powerpoint/2010/main" xmlns:a16="http://schemas.microsoft.com/office/drawing/2014/main" w="9525">
+              <a14:hiddenLine xmlns:a16="http://schemas.microsoft.com/office/drawing/2014/main" xmlns:p14="http://schemas.microsoft.com/office/powerpoint/2010/main" xmlns:a14="http://schemas.microsoft.com/office/drawing/2010/main" xmlns="" w="9525">
                 <a:solidFill>
                   <a:srgbClr val="000000"/>
                 </a:solidFill>
@@ -11296,8 +11428,16 @@
           <a:p>
             <a:pPr algn="l"/>
             <a:r>
-              <a:rPr lang="es-ES" sz="4400"/>
-              <a:t>Cas Kaggle </a:t>
+              <a:rPr lang="es-ES" sz="4400" dirty="0"/>
+              <a:t>Cas </a:t>
+            </a:r>
+            <a:r>
+              <a:rPr lang="es-ES" sz="4400" dirty="0" err="1"/>
+              <a:t>Kaggle</a:t>
+            </a:r>
+            <a:r>
+              <a:rPr lang="es-ES" sz="4400" dirty="0"/>
+              <a:t> </a:t>
             </a:r>
           </a:p>
         </p:txBody>
@@ -11326,19 +11466,53 @@
         </p:spPr>
         <p:txBody>
           <a:bodyPr>
-            <a:normAutofit/>
+            <a:normAutofit fontScale="70000" lnSpcReduction="20000"/>
           </a:bodyPr>
           <a:lstStyle/>
           <a:p>
             <a:pPr algn="l"/>
             <a:r>
-              <a:rPr lang="es-ES" sz="1800">
+              <a:rPr lang="es-ES" sz="1800" dirty="0">
                 <a:solidFill>
                   <a:srgbClr val="C493BB"/>
                 </a:solidFill>
               </a:rPr>
-              <a:t>Luis Fernando Paz GALEANO</a:t>
+              <a:t>Luis Fernando Paz Galeano</a:t>
             </a:r>
+          </a:p>
+          <a:p>
+            <a:pPr algn="l"/>
+            <a:r>
+              <a:rPr lang="es-ES" sz="1800" dirty="0">
+                <a:solidFill>
+                  <a:srgbClr val="C493BB"/>
+                </a:solidFill>
+                <a:hlinkClick r:id="rId4"/>
+              </a:rPr>
+              <a:t>GITHUB </a:t>
+            </a:r>
+            <a:r>
+              <a:rPr lang="es-ES" sz="1800" dirty="0">
+                <a:solidFill>
+                  <a:srgbClr val="C493BB"/>
+                </a:solidFill>
+              </a:rPr>
+              <a:t>   </a:t>
+            </a:r>
+            <a:r>
+              <a:rPr lang="es-ES" sz="1800" dirty="0">
+                <a:solidFill>
+                  <a:srgbClr val="C493BB"/>
+                </a:solidFill>
+                <a:hlinkClick r:id="rId5"/>
+              </a:rPr>
+              <a:t>KAGGLE</a:t>
+            </a:r>
+            <a:endParaRPr lang="es-ES" sz="1800" dirty="0">
+              <a:solidFill>
+                <a:srgbClr val="C493BB"/>
+              </a:solidFill>
+            </a:endParaRPr>
           </a:p>
         </p:txBody>
       </p:sp>
@@ -12773,7 +12947,7 @@
         </p:nvSpPr>
         <p:spPr>
           <a:xfrm>
-            <a:off x="1370693" y="4435229"/>
+            <a:off x="-920716" y="4551662"/>
             <a:ext cx="9440034" cy="1059644"/>
           </a:xfrm>
         </p:spPr>
@@ -12784,12 +12958,8 @@
           <a:lstStyle/>
           <a:p>
             <a:r>
-              <a:rPr lang="en-US" sz="4800" dirty="0" err="1"/>
-              <a:t>Clasificación</a:t>
-            </a:r>
-            <a:r>
               <a:rPr lang="en-US" sz="4800" dirty="0"/>
-              <a:t> RF</a:t>
+              <a:t>Clasificación RF</a:t>
             </a:r>
           </a:p>
         </p:txBody>
@@ -12841,38 +13011,6 @@
       </p:pic>
       <p:pic>
         <p:nvPicPr>
-          <p:cNvPr id="5" name="Marcador de contenido 4">
-            <a:extLst>
-              <a:ext uri="{FF2B5EF4-FFF2-40B4-BE49-F238E27FC236}">
-                <a16:creationId xmlns:a16="http://schemas.microsoft.com/office/drawing/2014/main" id="{E34B388E-65CB-4A28-AFAE-EF9548D3C794}"/>
-              </a:ext>
-            </a:extLst>
-          </p:cNvPr>
-          <p:cNvPicPr>
-            <a:picLocks noGrp="1" noChangeAspect="1"/>
-          </p:cNvPicPr>
-          <p:nvPr>
-            <p:ph idx="1"/>
-          </p:nvPr>
-        </p:nvPicPr>
-        <p:blipFill>
-          <a:blip r:embed="rId5"/>
-          <a:stretch>
-            <a:fillRect/>
-          </a:stretch>
-        </p:blipFill>
-        <p:spPr>
-          <a:xfrm>
-            <a:off x="1169349" y="972538"/>
-            <a:ext cx="4765785" cy="2966700"/>
-          </a:xfrm>
-          <a:prstGeom prst="rect">
-            <a:avLst/>
-          </a:prstGeom>
-        </p:spPr>
-      </p:pic>
-      <p:pic>
-        <p:nvPicPr>
           <p:cNvPr id="7" name="Imagen 6">
             <a:extLst>
               <a:ext uri="{FF2B5EF4-FFF2-40B4-BE49-F238E27FC236}">
@@ -12886,7 +13024,7 @@
           <p:nvPr/>
         </p:nvPicPr>
         <p:blipFill>
-          <a:blip r:embed="rId6"/>
+          <a:blip r:embed="rId5"/>
           <a:stretch>
             <a:fillRect/>
           </a:stretch>
@@ -12895,6 +13033,71 @@
           <a:xfrm>
             <a:off x="6256867" y="899655"/>
             <a:ext cx="4757828" cy="3116376"/>
+          </a:xfrm>
+          <a:prstGeom prst="rect">
+            <a:avLst/>
+          </a:prstGeom>
+        </p:spPr>
+      </p:pic>
+      <p:pic>
+        <p:nvPicPr>
+          <p:cNvPr id="8" name="Marcador de contenido 7" descr="Gráfico, Gráfico de líneas&#10;&#10;Descripción generada automáticamente">
+            <a:extLst>
+              <a:ext uri="{FF2B5EF4-FFF2-40B4-BE49-F238E27FC236}">
+                <a16:creationId xmlns:a16="http://schemas.microsoft.com/office/drawing/2014/main" id="{66EDC58D-E539-4C55-8DCB-C9EF63B973FA}"/>
+              </a:ext>
+            </a:extLst>
+          </p:cNvPr>
+          <p:cNvPicPr>
+            <a:picLocks noGrp="1" noChangeAspect="1"/>
+          </p:cNvPicPr>
+          <p:nvPr>
+            <p:ph idx="1"/>
+          </p:nvPr>
+        </p:nvPicPr>
+        <p:blipFill>
+          <a:blip r:embed="rId6">
+            <a:extLst>
+              <a:ext uri="{28A0092B-C50C-407E-A947-70E740481C1C}">
+                <a14:useLocalDpi xmlns:a14="http://schemas.microsoft.com/office/drawing/2010/main" val="0"/>
+              </a:ext>
+            </a:extLst>
+          </a:blip>
+          <a:stretch>
+            <a:fillRect/>
+          </a:stretch>
+        </p:blipFill>
+        <p:spPr>
+          <a:xfrm>
+            <a:off x="1177305" y="898022"/>
+            <a:ext cx="4669885" cy="3116376"/>
+          </a:xfrm>
+        </p:spPr>
+      </p:pic>
+      <p:pic>
+        <p:nvPicPr>
+          <p:cNvPr id="10" name="Imagen 9">
+            <a:extLst>
+              <a:ext uri="{FF2B5EF4-FFF2-40B4-BE49-F238E27FC236}">
+                <a16:creationId xmlns:a16="http://schemas.microsoft.com/office/drawing/2014/main" id="{3A0BAE91-8A6E-4C14-87A1-6D45908B4EE0}"/>
+              </a:ext>
+            </a:extLst>
+          </p:cNvPr>
+          <p:cNvPicPr>
+            <a:picLocks noChangeAspect="1"/>
+          </p:cNvPicPr>
+          <p:nvPr/>
+        </p:nvPicPr>
+        <p:blipFill>
+          <a:blip r:embed="rId7"/>
+          <a:stretch>
+            <a:fillRect/>
+          </a:stretch>
+        </p:blipFill>
+        <p:spPr>
+          <a:xfrm>
+            <a:off x="7395883" y="4294708"/>
+            <a:ext cx="3759800" cy="1716949"/>
           </a:xfrm>
           <a:prstGeom prst="rect">
             <a:avLst/>
@@ -12936,6 +13139,141 @@
           <p:cNvPr id="2" name="Título 1">
             <a:extLst>
               <a:ext uri="{FF2B5EF4-FFF2-40B4-BE49-F238E27FC236}">
+                <a16:creationId xmlns:a16="http://schemas.microsoft.com/office/drawing/2014/main" id="{72BFBBFD-4997-4869-AD1B-D458C5428081}"/>
+              </a:ext>
+            </a:extLst>
+          </p:cNvPr>
+          <p:cNvSpPr>
+            <a:spLocks noGrp="1"/>
+          </p:cNvSpPr>
+          <p:nvPr>
+            <p:ph type="title"/>
+          </p:nvPr>
+        </p:nvSpPr>
+        <p:spPr/>
+        <p:txBody>
+          <a:bodyPr>
+            <a:normAutofit fontScale="90000"/>
+          </a:bodyPr>
+          <a:lstStyle/>
+          <a:p>
+            <a:r>
+              <a:rPr lang="es-ES" b="1">
+                <a:solidFill>
+                  <a:schemeClr val="tx1"/>
+                </a:solidFill>
+                <a:effectLst/>
+                <a:latin typeface="Consolas" panose="020B0609020204030204" pitchFamily="49" charset="0"/>
+              </a:rPr>
+              <a:t>Hyperparameter Search</a:t>
+            </a:r>
+            <a:br>
+              <a:rPr lang="es-ES" b="0">
+                <a:solidFill>
+                  <a:srgbClr val="D4D4D4"/>
+                </a:solidFill>
+                <a:effectLst/>
+                <a:latin typeface="Consolas" panose="020B0609020204030204" pitchFamily="49" charset="0"/>
+              </a:rPr>
+            </a:br>
+            <a:endParaRPr lang="es-ES" dirty="0"/>
+          </a:p>
+        </p:txBody>
+      </p:sp>
+      <p:pic>
+        <p:nvPicPr>
+          <p:cNvPr id="5" name="Marcador de contenido 4">
+            <a:extLst>
+              <a:ext uri="{FF2B5EF4-FFF2-40B4-BE49-F238E27FC236}">
+                <a16:creationId xmlns:a16="http://schemas.microsoft.com/office/drawing/2014/main" id="{5D68C41C-AF64-43D4-A516-23B6FD3D154E}"/>
+              </a:ext>
+            </a:extLst>
+          </p:cNvPr>
+          <p:cNvPicPr>
+            <a:picLocks noGrp="1" noChangeAspect="1"/>
+          </p:cNvPicPr>
+          <p:nvPr>
+            <p:ph idx="1"/>
+          </p:nvPr>
+        </p:nvPicPr>
+        <p:blipFill>
+          <a:blip r:embed="rId2"/>
+          <a:stretch>
+            <a:fillRect/>
+          </a:stretch>
+        </p:blipFill>
+        <p:spPr>
+          <a:xfrm>
+            <a:off x="1290918" y="2181780"/>
+            <a:ext cx="6646600" cy="1531284"/>
+          </a:xfrm>
+        </p:spPr>
+      </p:pic>
+      <p:pic>
+        <p:nvPicPr>
+          <p:cNvPr id="7" name="Imagen 6">
+            <a:extLst>
+              <a:ext uri="{FF2B5EF4-FFF2-40B4-BE49-F238E27FC236}">
+                <a16:creationId xmlns:a16="http://schemas.microsoft.com/office/drawing/2014/main" id="{9EF6D6C2-500E-49F5-B932-A2C78DFC4032}"/>
+              </a:ext>
+            </a:extLst>
+          </p:cNvPr>
+          <p:cNvPicPr>
+            <a:picLocks noChangeAspect="1"/>
+          </p:cNvPicPr>
+          <p:nvPr/>
+        </p:nvPicPr>
+        <p:blipFill>
+          <a:blip r:embed="rId3"/>
+          <a:stretch>
+            <a:fillRect/>
+          </a:stretch>
+        </p:blipFill>
+        <p:spPr>
+          <a:xfrm>
+            <a:off x="8571336" y="2181780"/>
+            <a:ext cx="2885558" cy="2809321"/>
+          </a:xfrm>
+          <a:prstGeom prst="rect">
+            <a:avLst/>
+          </a:prstGeom>
+        </p:spPr>
+      </p:pic>
+    </p:spTree>
+    <p:extLst>
+      <p:ext uri="{BB962C8B-B14F-4D97-AF65-F5344CB8AC3E}">
+        <p14:creationId xmlns:p14="http://schemas.microsoft.com/office/powerpoint/2010/main" val="870612832"/>
+      </p:ext>
+    </p:extLst>
+  </p:cSld>
+  <p:clrMapOvr>
+    <a:masterClrMapping/>
+  </p:clrMapOvr>
+</p:sld>
+</file>
+
+<file path=ppt/slides/slide9.xml><?xml version="1.0" encoding="utf-8"?>
+<p:sld xmlns:a="http://schemas.openxmlformats.org/drawingml/2006/main" xmlns:r="http://schemas.openxmlformats.org/officeDocument/2006/relationships" xmlns:p="http://schemas.openxmlformats.org/presentationml/2006/main">
+  <p:cSld>
+    <p:spTree>
+      <p:nvGrpSpPr>
+        <p:cNvPr id="1" name=""/>
+        <p:cNvGrpSpPr/>
+        <p:nvPr/>
+      </p:nvGrpSpPr>
+      <p:grpSpPr>
+        <a:xfrm>
+          <a:off x="0" y="0"/>
+          <a:ext cx="0" cy="0"/>
+          <a:chOff x="0" y="0"/>
+          <a:chExt cx="0" cy="0"/>
+        </a:xfrm>
+      </p:grpSpPr>
+      <p:sp>
+        <p:nvSpPr>
+          <p:cNvPr id="2" name="Título 1">
+            <a:extLst>
+              <a:ext uri="{FF2B5EF4-FFF2-40B4-BE49-F238E27FC236}">
                 <a16:creationId xmlns:a16="http://schemas.microsoft.com/office/drawing/2014/main" id="{F0B37DDD-B3FC-4CCF-84CC-FC38D9CBE34C}"/>
               </a:ext>
             </a:extLst>
@@ -12988,15 +13326,7 @@
           <a:p>
             <a:r>
               <a:rPr lang="es-ES" dirty="0"/>
-              <a:t>En mi caso por la distribución de los datos, pude constatar que se producía </a:t>
-            </a:r>
-            <a:r>
-              <a:rPr lang="es-ES" dirty="0" err="1"/>
-              <a:t>Overfitting</a:t>
-            </a:r>
-            <a:r>
-              <a:rPr lang="es-ES" dirty="0"/>
-              <a:t>, esto debido a que contaba con un dataset, que si bien solo constaba de dos clases de clasificación, en este caso, aquellos casos que presentaban una anomalía y los que no, existían un mayor número de clases del segundo caso, por lo cual el modelo de entrenamiento, no era capaz de hacer una buena predicción, si los datos de evolución que proporcionaban eran buenos, en la práctica no estaba clasificando correctamente, por lo cual fue necesario implementar técnicas para balancear correctamente los datos.</a:t>
+              <a:t>En mi caso por la distribución de los datos, pude constatar que se producía Overfitting, esto debido a que contaba con un dataset, que si bien solo constaba de dos clases de clasificación, en este caso, aquellos casos que presentaban una anomalía y los que no, existían un mayor número de clases del segundo caso, por lo cual el modelo de entrenamiento, no era capaz de hacer una buena predicción, si los datos de evolución que proporcionaban eran buenos, en la práctica no estaba clasificando correctamente, por lo cual fue necesario implementar técnicas para balancear correctamente los datos.</a:t>
             </a:r>
           </a:p>
           <a:p>
